--- a/presentations/9_uncert_validation/9. Uncertainty_and_Validation_Thompson.pptx
+++ b/presentations/9_uncert_validation/9. Uncertainty_and_Validation_Thompson.pptx
@@ -239,7 +239,7 @@
             <a:fld id="{333390A1-EFA7-4975-B307-3ED18211B739}" type="datetimeFigureOut">
               <a:rPr lang="en-US" smtClean="0"/>
               <a:pPr/>
-              <a:t>3/4/2016</a:t>
+              <a:t>3/10/2017</a:t>
             </a:fld>
             <a:endParaRPr lang="en-US"/>
           </a:p>
@@ -1979,7 +1979,7 @@
             <a:fld id="{1F541AB0-5ECD-4F0C-8435-DFC39302280B}" type="datetimeFigureOut">
               <a:rPr lang="en-US" smtClean="0"/>
               <a:pPr/>
-              <a:t>3/4/2016</a:t>
+              <a:t>3/10/2017</a:t>
             </a:fld>
             <a:endParaRPr lang="en-US"/>
           </a:p>
@@ -2151,7 +2151,7 @@
             <a:fld id="{1F541AB0-5ECD-4F0C-8435-DFC39302280B}" type="datetimeFigureOut">
               <a:rPr lang="en-US" smtClean="0"/>
               <a:pPr/>
-              <a:t>3/4/2016</a:t>
+              <a:t>3/10/2017</a:t>
             </a:fld>
             <a:endParaRPr lang="en-US"/>
           </a:p>
@@ -2333,7 +2333,7 @@
             <a:fld id="{1F541AB0-5ECD-4F0C-8435-DFC39302280B}" type="datetimeFigureOut">
               <a:rPr lang="en-US" smtClean="0"/>
               <a:pPr/>
-              <a:t>3/4/2016</a:t>
+              <a:t>3/10/2017</a:t>
             </a:fld>
             <a:endParaRPr lang="en-US"/>
           </a:p>
@@ -2865,7 +2865,7 @@
             <a:fld id="{1F541AB0-5ECD-4F0C-8435-DFC39302280B}" type="datetimeFigureOut">
               <a:rPr lang="en-US" smtClean="0"/>
               <a:pPr/>
-              <a:t>3/4/2016</a:t>
+              <a:t>3/10/2017</a:t>
             </a:fld>
             <a:endParaRPr lang="en-US"/>
           </a:p>
@@ -3113,7 +3113,7 @@
             <a:fld id="{1F541AB0-5ECD-4F0C-8435-DFC39302280B}" type="datetimeFigureOut">
               <a:rPr lang="en-US" smtClean="0"/>
               <a:pPr/>
-              <a:t>3/4/2016</a:t>
+              <a:t>3/10/2017</a:t>
             </a:fld>
             <a:endParaRPr lang="en-US"/>
           </a:p>
@@ -3403,7 +3403,7 @@
             <a:fld id="{1F541AB0-5ECD-4F0C-8435-DFC39302280B}" type="datetimeFigureOut">
               <a:rPr lang="en-US" smtClean="0"/>
               <a:pPr/>
-              <a:t>3/4/2016</a:t>
+              <a:t>3/10/2017</a:t>
             </a:fld>
             <a:endParaRPr lang="en-US"/>
           </a:p>
@@ -3827,7 +3827,7 @@
             <a:fld id="{1F541AB0-5ECD-4F0C-8435-DFC39302280B}" type="datetimeFigureOut">
               <a:rPr lang="en-US" smtClean="0"/>
               <a:pPr/>
-              <a:t>3/4/2016</a:t>
+              <a:t>3/10/2017</a:t>
             </a:fld>
             <a:endParaRPr lang="en-US"/>
           </a:p>
@@ -3947,7 +3947,7 @@
             <a:fld id="{1F541AB0-5ECD-4F0C-8435-DFC39302280B}" type="datetimeFigureOut">
               <a:rPr lang="en-US" smtClean="0"/>
               <a:pPr/>
-              <a:t>3/4/2016</a:t>
+              <a:t>3/10/2017</a:t>
             </a:fld>
             <a:endParaRPr lang="en-US"/>
           </a:p>
@@ -4044,7 +4044,7 @@
             <a:fld id="{1F541AB0-5ECD-4F0C-8435-DFC39302280B}" type="datetimeFigureOut">
               <a:rPr lang="en-US" smtClean="0"/>
               <a:pPr/>
-              <a:t>3/4/2016</a:t>
+              <a:t>3/10/2017</a:t>
             </a:fld>
             <a:endParaRPr lang="en-US"/>
           </a:p>
@@ -4323,7 +4323,7 @@
             <a:fld id="{1F541AB0-5ECD-4F0C-8435-DFC39302280B}" type="datetimeFigureOut">
               <a:rPr lang="en-US" smtClean="0"/>
               <a:pPr/>
-              <a:t>3/4/2016</a:t>
+              <a:t>3/10/2017</a:t>
             </a:fld>
             <a:endParaRPr lang="en-US"/>
           </a:p>
@@ -4578,7 +4578,7 @@
             <a:fld id="{1F541AB0-5ECD-4F0C-8435-DFC39302280B}" type="datetimeFigureOut">
               <a:rPr lang="en-US" smtClean="0"/>
               <a:pPr/>
-              <a:t>3/4/2016</a:t>
+              <a:t>3/10/2017</a:t>
             </a:fld>
             <a:endParaRPr lang="en-US"/>
           </a:p>
@@ -4793,7 +4793,7 @@
             <a:fld id="{1F541AB0-5ECD-4F0C-8435-DFC39302280B}" type="datetimeFigureOut">
               <a:rPr lang="en-US" smtClean="0"/>
               <a:pPr/>
-              <a:t>3/4/2016</a:t>
+              <a:t>3/10/2017</a:t>
             </a:fld>
             <a:endParaRPr lang="en-US"/>
           </a:p>
